--- a/TeamTroll.pptx
+++ b/TeamTroll.pptx
@@ -170,7 +170,7 @@
             <a:fld id="{2233D26B-DFC2-4248-8ED0-AD3E108CBDD7}" type="datetime1">
               <a:rPr lang="en-US" smtClean="0"/>
               <a:pPr/>
-              <a:t>3/3/15</a:t>
+              <a:t>3/3/2015</a:t>
             </a:fld>
             <a:endParaRPr lang="en-US"/>
           </a:p>
@@ -488,7 +488,7 @@
             <a:fld id="{E694C003-38E8-486A-9BFD-47E55D87241C}" type="datetime1">
               <a:rPr lang="en-US" smtClean="0"/>
               <a:pPr/>
-              <a:t>3/3/15</a:t>
+              <a:t>3/3/2015</a:t>
             </a:fld>
             <a:endParaRPr lang="en-US"/>
           </a:p>
@@ -665,7 +665,7 @@
             <a:fld id="{E059EAA3-934B-41DB-B3B1-806F4BE5CC37}" type="datetime1">
               <a:rPr lang="en-US" smtClean="0"/>
               <a:pPr/>
-              <a:t>3/3/15</a:t>
+              <a:t>3/3/2015</a:t>
             </a:fld>
             <a:endParaRPr lang="en-US"/>
           </a:p>
@@ -785,7 +785,7 @@
             <a:fld id="{8F97F932-D99A-4087-BFB1-EA42FAFC8D2C}" type="datetime1">
               <a:rPr lang="en-US" smtClean="0"/>
               <a:pPr/>
-              <a:t>3/3/15</a:t>
+              <a:t>3/3/2015</a:t>
             </a:fld>
             <a:endParaRPr lang="en-US"/>
           </a:p>
@@ -1085,7 +1085,7 @@
             <a:fld id="{79C96367-2F2B-4F6E-ACF4-15FA13738E10}" type="datetime1">
               <a:rPr lang="en-US" smtClean="0"/>
               <a:pPr/>
-              <a:t>3/3/15</a:t>
+              <a:t>3/3/2015</a:t>
             </a:fld>
             <a:endParaRPr lang="en-US"/>
           </a:p>
@@ -1380,7 +1380,7 @@
             <a:fld id="{8FB3498D-21C7-408B-8EF5-5B55DEF0BFD5}" type="datetime1">
               <a:rPr lang="en-US" smtClean="0"/>
               <a:pPr/>
-              <a:t>3/3/15</a:t>
+              <a:t>3/3/2015</a:t>
             </a:fld>
             <a:endParaRPr lang="en-US"/>
           </a:p>
@@ -1810,7 +1810,7 @@
             <a:fld id="{84DB246E-8FD1-42FF-94A4-E4133095C37A}" type="datetime1">
               <a:rPr lang="en-US" smtClean="0"/>
               <a:pPr/>
-              <a:t>3/3/15</a:t>
+              <a:t>3/3/2015</a:t>
             </a:fld>
             <a:endParaRPr lang="en-US"/>
           </a:p>
@@ -1930,7 +1930,7 @@
             <a:fld id="{A93939D4-B818-4372-B1EE-7CB6D5BBC74A}" type="datetime1">
               <a:rPr lang="en-US" smtClean="0"/>
               <a:pPr/>
-              <a:t>3/3/15</a:t>
+              <a:t>3/3/2015</a:t>
             </a:fld>
             <a:endParaRPr lang="en-US"/>
           </a:p>
@@ -2022,7 +2022,7 @@
             <a:fld id="{2F35E438-4D0D-4834-B658-A90420491D98}" type="datetime1">
               <a:rPr lang="en-US" smtClean="0"/>
               <a:pPr/>
-              <a:t>3/3/15</a:t>
+              <a:t>3/3/2015</a:t>
             </a:fld>
             <a:endParaRPr lang="en-US"/>
           </a:p>
@@ -2274,7 +2274,7 @@
             <a:fld id="{76F8ADFA-7142-4015-85E6-1712F15FA709}" type="datetime1">
               <a:rPr lang="en-US" smtClean="0"/>
               <a:pPr/>
-              <a:t>3/3/15</a:t>
+              <a:t>3/3/2015</a:t>
             </a:fld>
             <a:endParaRPr lang="en-US"/>
           </a:p>
@@ -2792,7 +2792,7 @@
             <a:fld id="{34A581E0-D653-4D78-A48F-41D80498BC7E}" type="datetime1">
               <a:rPr lang="en-US" smtClean="0"/>
               <a:pPr/>
-              <a:t>3/3/15</a:t>
+              <a:t>3/3/2015</a:t>
             </a:fld>
             <a:endParaRPr lang="en-US"/>
           </a:p>
@@ -3024,7 +3024,7 @@
             <a:fld id="{8B3AFFF1-9C47-49F0-AE12-AF188F3F4E82}" type="datetime1">
               <a:rPr lang="en-US" smtClean="0"/>
               <a:pPr/>
-              <a:t>3/3/15</a:t>
+              <a:t>3/3/2015</a:t>
             </a:fld>
             <a:endParaRPr lang="en-US" dirty="0"/>
           </a:p>
@@ -3601,7 +3601,7 @@
           <p:nvPr/>
         </p:nvPicPr>
         <p:blipFill>
-          <a:blip r:embed="rId2">
+          <a:blip r:embed="rId2" cstate="email">
             <a:extLst>
               <a:ext uri="{28A0092B-C50C-407E-A947-70E740481C1C}">
                 <a14:useLocalDpi xmlns:a14="http://schemas.microsoft.com/office/drawing/2010/main" val="0"/>
@@ -3708,9 +3708,22 @@
           </a:p>
           <a:p>
             <a:r>
-              <a:rPr lang="en-US" dirty="0" smtClean="0"/>
-              <a:t>Zlatimir Mihailov - mihailov</a:t>
-            </a:r>
+              <a:rPr lang="en-US" smtClean="0"/>
+              <a:t>Zlatimir </a:t>
+            </a:r>
+            <a:r>
+              <a:rPr lang="en-US" smtClean="0"/>
+              <a:t>Mihaylov </a:t>
+            </a:r>
+            <a:r>
+              <a:rPr lang="en-US" smtClean="0"/>
+              <a:t>- </a:t>
+            </a:r>
+            <a:r>
+              <a:rPr lang="en-US" smtClean="0"/>
+              <a:t>mihaylov</a:t>
+            </a:r>
+            <a:endParaRPr lang="en-US" dirty="0" smtClean="0"/>
           </a:p>
           <a:p>
             <a:r>
@@ -4014,7 +4027,7 @@
           </p:nvPr>
         </p:nvPicPr>
         <p:blipFill>
-          <a:blip r:embed="rId2">
+          <a:blip r:embed="rId2" cstate="email">
             <a:extLst>
               <a:ext uri="{28A0092B-C50C-407E-A947-70E740481C1C}">
                 <a14:useLocalDpi xmlns:a14="http://schemas.microsoft.com/office/drawing/2010/main" val="0"/>
@@ -4042,7 +4055,7 @@
           <p:nvPr/>
         </p:nvPicPr>
         <p:blipFill>
-          <a:blip r:embed="rId3">
+          <a:blip r:embed="rId3" cstate="email">
             <a:extLst>
               <a:ext uri="{28A0092B-C50C-407E-A947-70E740481C1C}">
                 <a14:useLocalDpi xmlns:a14="http://schemas.microsoft.com/office/drawing/2010/main" val="0"/>
@@ -4072,7 +4085,7 @@
           <p:nvPr/>
         </p:nvPicPr>
         <p:blipFill>
-          <a:blip r:embed="rId4">
+          <a:blip r:embed="rId4" cstate="email">
             <a:extLst>
               <a:ext uri="{28A0092B-C50C-407E-A947-70E740481C1C}">
                 <a14:useLocalDpi xmlns:a14="http://schemas.microsoft.com/office/drawing/2010/main" val="0"/>
@@ -4106,7 +4119,7 @@
   <p:timing>
     <p:tnLst>
       <p:par>
-        <p:cTn xmlns:p14="http://schemas.microsoft.com/office/powerpoint/2010/main" id="1" dur="indefinite" restart="never" nodeType="tmRoot"/>
+        <p:cTn id="1" dur="indefinite" restart="never" nodeType="tmRoot"/>
       </p:par>
     </p:tnLst>
   </p:timing>

--- a/TeamTroll.pptx
+++ b/TeamTroll.pptx
@@ -8,7 +8,8 @@
     <p:sldId id="256" r:id="rId2"/>
     <p:sldId id="257" r:id="rId3"/>
     <p:sldId id="259" r:id="rId4"/>
-    <p:sldId id="258" r:id="rId5"/>
+    <p:sldId id="260" r:id="rId5"/>
+    <p:sldId id="258" r:id="rId6"/>
   </p:sldIdLst>
   <p:sldSz cx="9144000" cy="6858000" type="screen4x3"/>
   <p:notesSz cx="6858000" cy="9144000"/>
@@ -3638,6 +3639,13 @@
   <p:clrMapOvr>
     <a:masterClrMapping/>
   </p:clrMapOvr>
+  <p:timing>
+    <p:tnLst>
+      <p:par>
+        <p:cTn id="1" dur="indefinite" restart="never" nodeType="tmRoot"/>
+      </p:par>
+    </p:tnLst>
+  </p:timing>
 </p:sld>
 </file>
 
@@ -3674,7 +3682,11 @@
           <a:lstStyle/>
           <a:p>
             <a:r>
-              <a:rPr lang="en-US" dirty="0"/>
+              <a:rPr lang="en-US" dirty="0">
+                <a:solidFill>
+                  <a:schemeClr val="tx2"/>
+                </a:solidFill>
+              </a:rPr>
               <a:t>team members</a:t>
             </a:r>
           </a:p>
@@ -3709,19 +3721,7 @@
           <a:p>
             <a:r>
               <a:rPr lang="en-US" smtClean="0"/>
-              <a:t>Zlatimir </a:t>
-            </a:r>
-            <a:r>
-              <a:rPr lang="en-US" smtClean="0"/>
-              <a:t>Mihaylov </a:t>
-            </a:r>
-            <a:r>
-              <a:rPr lang="en-US" smtClean="0"/>
-              <a:t>- </a:t>
-            </a:r>
-            <a:r>
-              <a:rPr lang="en-US" smtClean="0"/>
-              <a:t>mihaylov</a:t>
+              <a:t>Zlatimir Mihaylov - mihaylov</a:t>
             </a:r>
             <a:endParaRPr lang="en-US" dirty="0" smtClean="0"/>
           </a:p>
@@ -3831,6 +3831,13 @@
   <p:clrMapOvr>
     <a:masterClrMapping/>
   </p:clrMapOvr>
+  <p:timing>
+    <p:tnLst>
+      <p:par>
+        <p:cTn id="1" dur="indefinite" restart="never" nodeType="tmRoot"/>
+      </p:par>
+    </p:tnLst>
+  </p:timing>
 </p:sld>
 </file>
 
@@ -3866,9 +3873,21 @@
           <a:bodyPr/>
           <a:lstStyle/>
           <a:p>
-            <a:r>
-              <a:rPr lang="hu-HU" sz="2800" dirty="0"/>
-              <a:t>https://github.com/STzvetkov/Troll-runner</a:t>
+            <a:pPr lvl="1" algn="l" rtl="0">
+              <a:spcBef>
+                <a:spcPct val="0"/>
+              </a:spcBef>
+            </a:pPr>
+            <a:r>
+              <a:rPr lang="en-US" sz="3000" kern="1200" cap="all" spc="50" dirty="0" smtClean="0">
+                <a:solidFill>
+                  <a:srgbClr val="DC9E1F"/>
+                </a:solidFill>
+                <a:latin typeface="Arial Narrow"/>
+                <a:ea typeface="+mj-ea"/>
+                <a:cs typeface="+mj-cs"/>
+              </a:rPr>
+              <a:t>General rules of the game</a:t>
             </a:r>
             <a:endParaRPr lang="en-US" sz="2800" dirty="0"/>
           </a:p>
@@ -3886,23 +3905,21 @@
         </p:nvSpPr>
         <p:spPr/>
         <p:txBody>
-          <a:bodyPr/>
-          <a:lstStyle/>
-          <a:p>
-            <a:pPr marL="342900" lvl="1" indent="-342900"/>
-            <a:r>
-              <a:rPr lang="en-US" sz="1800" dirty="0"/>
-              <a:t>General rules of the game</a:t>
-            </a:r>
-            <a:endParaRPr lang="en-US" sz="1400" dirty="0"/>
-          </a:p>
+          <a:bodyPr>
+            <a:normAutofit lnSpcReduction="10000"/>
+          </a:bodyPr>
+          <a:lstStyle/>
           <a:p>
             <a:pPr marL="0" indent="0">
               <a:buNone/>
             </a:pPr>
             <a:r>
+              <a:rPr lang="en-US" dirty="0" smtClean="0"/>
+              <a:t>After </a:t>
+            </a:r>
+            <a:r>
               <a:rPr lang="en-US" dirty="0"/>
-              <a:t>After a thorough investigation of the two games that inspired our one (hours and hours spent in “running”, jumping and shooting) we got the main playing concepts. Then we merged them and let our imagination go wild. The final result may cause a mild heart attack to the authors of the original games if they see what we have done with their ideas.</a:t>
+              <a:t>a thorough investigation of the two games that inspired our one (hours and hours spent in “running”, jumping and shooting) we got the main playing concepts. Then we merged them and let our imagination go wild. The final result may cause a mild heart attack to the authors of the original games if they see what we have done with their ideas.</a:t>
             </a:r>
           </a:p>
           <a:p>
@@ -3911,31 +3928,42 @@
             </a:pPr>
             <a:r>
               <a:rPr lang="en-US" dirty="0"/>
-              <a:t>These rules form the overall logic of our program.</a:t>
-            </a:r>
-          </a:p>
-          <a:p>
-            <a:pPr marL="0" indent="0">
-              <a:buNone/>
-            </a:pPr>
+              <a:t>These rules form the overall logic of our </a:t>
+            </a:r>
+            <a:r>
+              <a:rPr lang="en-US" dirty="0" smtClean="0"/>
+              <a:t>program</a:t>
+            </a:r>
             <a:r>
               <a:rPr lang="en-US" dirty="0"/>
-              <a:t> </a:t>
-            </a:r>
-          </a:p>
-          <a:p>
-            <a:pPr marL="0" lvl="0" indent="0">
-              <a:buNone/>
-            </a:pPr>
+              <a:t>:</a:t>
+            </a:r>
+            <a:endParaRPr lang="en-US" dirty="0"/>
+          </a:p>
+          <a:p>
             <a:r>
               <a:rPr lang="en-US" dirty="0"/>
-              <a:t>The game is a single player one. Adding a second “troll” to share the same keyboard could only lead to real life bloodsheds and even worse: unwanted damage of the input device.</a:t>
-            </a:r>
-          </a:p>
-          <a:p>
-            <a:pPr marL="0" lvl="0" indent="0">
-              <a:buNone/>
-            </a:pPr>
+              <a:t>The game is a single player one. Adding a second “troll” to share the same keyboard could only lead to real life bloodsheds and even worse: unwanted damage of the input device</a:t>
+            </a:r>
+            <a:r>
+              <a:rPr lang="en-US" dirty="0" smtClean="0"/>
+              <a:t>.</a:t>
+            </a:r>
+          </a:p>
+          <a:p>
+            <a:r>
+              <a:rPr lang="en-US" dirty="0" smtClean="0"/>
+              <a:t>The playing figure is navigated over a two dimensional lane, performing movements in two possible directions.</a:t>
+            </a:r>
+          </a:p>
+          <a:p>
+            <a:r>
+              <a:rPr lang="en-US" dirty="0" smtClean="0"/>
+              <a:t>The objects on the lane are neutral (like clouds) or such that have impact over the “troll’s” behavior and the game as a whole in case of collision (obstacles, pickups)</a:t>
+            </a:r>
+            <a:endParaRPr lang="en-US" dirty="0"/>
+          </a:p>
+          <a:p>
             <a:r>
               <a:rPr lang="en-US" dirty="0"/>
               <a:t>The player uses </a:t>
@@ -3950,15 +3978,11 @@
             </a:r>
             <a:r>
               <a:rPr lang="en-US" dirty="0"/>
-              <a:t>jump and </a:t>
-            </a:r>
-            <a:r>
-              <a:rPr lang="en-US" b="1" dirty="0"/>
-              <a:t>right arrow</a:t>
-            </a:r>
-            <a:r>
-              <a:rPr lang="en-US" dirty="0"/>
-              <a:t> to increase movement speed. </a:t>
+              <a:t>jump </a:t>
+            </a:r>
+            <a:r>
+              <a:rPr lang="en-US" dirty="0" smtClean="0"/>
+              <a:t>and </a:t>
             </a:r>
             <a:r>
               <a:rPr lang="en-US" b="1" dirty="0" smtClean="0"/>
@@ -3970,11 +3994,11 @@
             </a:r>
             <a:r>
               <a:rPr lang="en-US" dirty="0"/>
-              <a:t>is used for </a:t>
+              <a:t>is used </a:t>
             </a:r>
             <a:r>
               <a:rPr lang="en-US" dirty="0" smtClean="0"/>
-              <a:t>pause.</a:t>
+              <a:t>to pause the game.</a:t>
             </a:r>
             <a:endParaRPr lang="en-US" dirty="0"/>
           </a:p>
@@ -3996,10 +4020,218 @@
   <p:clrMapOvr>
     <a:masterClrMapping/>
   </p:clrMapOvr>
+  <p:timing>
+    <p:tnLst>
+      <p:par>
+        <p:cTn id="1" dur="indefinite" restart="never" nodeType="tmRoot"/>
+      </p:par>
+    </p:tnLst>
+  </p:timing>
 </p:sld>
 </file>
 
 <file path=ppt/slides/slide4.xml><?xml version="1.0" encoding="utf-8"?>
+<p:sld xmlns:a="http://schemas.openxmlformats.org/drawingml/2006/main" xmlns:r="http://schemas.openxmlformats.org/officeDocument/2006/relationships" xmlns:p="http://schemas.openxmlformats.org/presentationml/2006/main">
+  <p:cSld>
+    <p:spTree>
+      <p:nvGrpSpPr>
+        <p:cNvPr id="1" name=""/>
+        <p:cNvGrpSpPr/>
+        <p:nvPr/>
+      </p:nvGrpSpPr>
+      <p:grpSpPr>
+        <a:xfrm>
+          <a:off x="0" y="0"/>
+          <a:ext cx="0" cy="0"/>
+          <a:chOff x="0" y="0"/>
+          <a:chExt cx="0" cy="0"/>
+        </a:xfrm>
+      </p:grpSpPr>
+      <p:sp>
+        <p:nvSpPr>
+          <p:cNvPr id="2" name="Title 1"/>
+          <p:cNvSpPr>
+            <a:spLocks noGrp="1"/>
+          </p:cNvSpPr>
+          <p:nvPr>
+            <p:ph type="title"/>
+          </p:nvPr>
+        </p:nvSpPr>
+        <p:spPr/>
+        <p:txBody>
+          <a:bodyPr/>
+          <a:lstStyle/>
+          <a:p>
+            <a:r>
+              <a:rPr lang="en-US" sz="2800" dirty="0" smtClean="0">
+                <a:solidFill>
+                  <a:schemeClr val="tx2"/>
+                </a:solidFill>
+              </a:rPr>
+              <a:t>Requirements fulfilled</a:t>
+            </a:r>
+            <a:endParaRPr lang="en-US" sz="2800" dirty="0">
+              <a:solidFill>
+                <a:schemeClr val="tx2"/>
+              </a:solidFill>
+            </a:endParaRPr>
+          </a:p>
+        </p:txBody>
+      </p:sp>
+      <p:sp>
+        <p:nvSpPr>
+          <p:cNvPr id="3" name="Content Placeholder 2"/>
+          <p:cNvSpPr>
+            <a:spLocks noGrp="1"/>
+          </p:cNvSpPr>
+          <p:nvPr>
+            <p:ph sz="quarter" idx="13"/>
+          </p:nvPr>
+        </p:nvSpPr>
+        <p:spPr>
+          <a:xfrm>
+            <a:off x="609600" y="1600199"/>
+            <a:ext cx="7924800" cy="4592783"/>
+          </a:xfrm>
+        </p:spPr>
+        <p:txBody>
+          <a:bodyPr/>
+          <a:lstStyle/>
+          <a:p>
+            <a:pPr marL="342900" lvl="1" indent="-342900"/>
+            <a:r>
+              <a:rPr lang="en-US" sz="2000" dirty="0" smtClean="0"/>
+              <a:t>Classes and methods</a:t>
+            </a:r>
+          </a:p>
+          <a:p>
+            <a:pPr marL="742950" lvl="2" indent="-342900">
+              <a:buFont typeface="Wingdings" pitchFamily="2" charset="2"/>
+              <a:buChar char="ü"/>
+            </a:pPr>
+            <a:r>
+              <a:rPr lang="en-US" sz="1800" dirty="0" smtClean="0"/>
+              <a:t>The game’s architecture consists of 10 classes</a:t>
+            </a:r>
+          </a:p>
+          <a:p>
+            <a:pPr marL="742950" lvl="2" indent="-342900">
+              <a:buFont typeface="Wingdings" pitchFamily="2" charset="2"/>
+              <a:buChar char="ü"/>
+            </a:pPr>
+            <a:r>
+              <a:rPr lang="en-US" sz="1800" dirty="0" smtClean="0"/>
+              <a:t>The code is distributed between over 30 methods</a:t>
+            </a:r>
+          </a:p>
+          <a:p>
+            <a:pPr marL="342900" lvl="1" indent="-342900"/>
+            <a:r>
+              <a:rPr lang="en-US" sz="2000" dirty="0" smtClean="0"/>
+              <a:t>Exceptions</a:t>
+            </a:r>
+          </a:p>
+          <a:p>
+            <a:pPr marL="742950" lvl="2" indent="-342900">
+              <a:buFont typeface="Wingdings" pitchFamily="2" charset="2"/>
+              <a:buChar char="ü"/>
+            </a:pPr>
+            <a:r>
+              <a:rPr lang="en-US" sz="2000" dirty="0" smtClean="0"/>
+              <a:t>There are implemented 2 user exceptions, which are handled along with several standard ones</a:t>
+            </a:r>
+          </a:p>
+          <a:p>
+            <a:pPr marL="342900" lvl="1" indent="-342900"/>
+            <a:r>
+              <a:rPr lang="en-US" sz="2000" dirty="0"/>
+              <a:t>External text files serve for two purposes in the application:</a:t>
+            </a:r>
+          </a:p>
+          <a:p>
+            <a:pPr marL="742950" lvl="2" indent="-342900">
+              <a:buFont typeface="Wingdings" pitchFamily="2" charset="2"/>
+              <a:buChar char="ü"/>
+            </a:pPr>
+            <a:r>
+              <a:rPr lang="en-US" sz="2000" dirty="0" smtClean="0"/>
+              <a:t>Store ASCII graphics for the visualized object</a:t>
+            </a:r>
+          </a:p>
+          <a:p>
+            <a:pPr marL="742950" lvl="2" indent="-342900">
+              <a:buFont typeface="Wingdings" pitchFamily="2" charset="2"/>
+              <a:buChar char="ü"/>
+            </a:pPr>
+            <a:r>
+              <a:rPr lang="en-US" sz="2000" dirty="0" smtClean="0"/>
+              <a:t>Store (and update) the highest score achieved in the game</a:t>
+            </a:r>
+          </a:p>
+          <a:p>
+            <a:pPr marL="342900" lvl="1" indent="-342900"/>
+            <a:r>
+              <a:rPr lang="en-US" sz="2000" dirty="0" err="1" smtClean="0"/>
+              <a:t>GitHub</a:t>
+            </a:r>
+            <a:r>
+              <a:rPr lang="en-US" sz="2000" dirty="0" smtClean="0"/>
+              <a:t> repository</a:t>
+            </a:r>
+            <a:r>
+              <a:rPr lang="en-US" sz="2000" dirty="0"/>
+              <a:t>: </a:t>
+            </a:r>
+            <a:r>
+              <a:rPr lang="en-US" sz="2000" dirty="0" smtClean="0">
+                <a:hlinkClick r:id="rId2"/>
+              </a:rPr>
+              <a:t>https://github.com/STzvetkov/Troll-runner.git</a:t>
+            </a:r>
+            <a:endParaRPr lang="en-US" sz="2000" dirty="0" smtClean="0"/>
+          </a:p>
+          <a:p>
+            <a:pPr marL="0" lvl="1" indent="0">
+              <a:buNone/>
+            </a:pPr>
+            <a:endParaRPr lang="en-US" sz="2000" dirty="0" smtClean="0"/>
+          </a:p>
+          <a:p>
+            <a:pPr marL="342900" lvl="1" indent="-342900">
+              <a:buFont typeface="Wingdings" pitchFamily="2" charset="2"/>
+              <a:buChar char="Ø"/>
+            </a:pPr>
+            <a:endParaRPr lang="en-US" sz="2000" dirty="0"/>
+          </a:p>
+          <a:p>
+            <a:pPr marL="0" indent="0">
+              <a:buNone/>
+            </a:pPr>
+            <a:endParaRPr lang="en-US" dirty="0"/>
+          </a:p>
+        </p:txBody>
+      </p:sp>
+    </p:spTree>
+    <p:extLst>
+      <p:ext uri="{BB962C8B-B14F-4D97-AF65-F5344CB8AC3E}">
+        <p14:creationId xmlns:p14="http://schemas.microsoft.com/office/powerpoint/2010/main" val="1412676118"/>
+      </p:ext>
+    </p:extLst>
+  </p:cSld>
+  <p:clrMapOvr>
+    <a:masterClrMapping/>
+  </p:clrMapOvr>
+  <p:timing>
+    <p:tnLst>
+      <p:par>
+        <p:cTn id="1" dur="indefinite" restart="never" nodeType="tmRoot"/>
+      </p:par>
+    </p:tnLst>
+  </p:timing>
+</p:sld>
+</file>
+
+<file path=ppt/slides/slide5.xml><?xml version="1.0" encoding="utf-8"?>
 <p:sld xmlns:a="http://schemas.openxmlformats.org/drawingml/2006/main" xmlns:r="http://schemas.openxmlformats.org/officeDocument/2006/relationships" xmlns:p="http://schemas.openxmlformats.org/presentationml/2006/main">
   <p:cSld>
     <p:spTree>
